--- a/static/images/project/blog graphic size.pptx
+++ b/static/images/project/blog graphic size.pptx
@@ -243,7 +243,7 @@
           <a:p>
             <a:fld id="{03FB8AE5-4979-984F-8FD7-52D4A3BB0305}" type="datetimeFigureOut">
               <a:rPr lang="en-US" smtClean="0"/>
-              <a:t>7/4/24</a:t>
+              <a:t>11/3/25</a:t>
             </a:fld>
             <a:endParaRPr lang="en-US"/>
           </a:p>
@@ -413,7 +413,7 @@
           <a:p>
             <a:fld id="{03FB8AE5-4979-984F-8FD7-52D4A3BB0305}" type="datetimeFigureOut">
               <a:rPr lang="en-US" smtClean="0"/>
-              <a:t>7/4/24</a:t>
+              <a:t>11/3/25</a:t>
             </a:fld>
             <a:endParaRPr lang="en-US"/>
           </a:p>
@@ -593,7 +593,7 @@
           <a:p>
             <a:fld id="{03FB8AE5-4979-984F-8FD7-52D4A3BB0305}" type="datetimeFigureOut">
               <a:rPr lang="en-US" smtClean="0"/>
-              <a:t>7/4/24</a:t>
+              <a:t>11/3/25</a:t>
             </a:fld>
             <a:endParaRPr lang="en-US"/>
           </a:p>
@@ -763,7 +763,7 @@
           <a:p>
             <a:fld id="{03FB8AE5-4979-984F-8FD7-52D4A3BB0305}" type="datetimeFigureOut">
               <a:rPr lang="en-US" smtClean="0"/>
-              <a:t>7/4/24</a:t>
+              <a:t>11/3/25</a:t>
             </a:fld>
             <a:endParaRPr lang="en-US"/>
           </a:p>
@@ -1009,7 +1009,7 @@
           <a:p>
             <a:fld id="{03FB8AE5-4979-984F-8FD7-52D4A3BB0305}" type="datetimeFigureOut">
               <a:rPr lang="en-US" smtClean="0"/>
-              <a:t>7/4/24</a:t>
+              <a:t>11/3/25</a:t>
             </a:fld>
             <a:endParaRPr lang="en-US"/>
           </a:p>
@@ -1241,7 +1241,7 @@
           <a:p>
             <a:fld id="{03FB8AE5-4979-984F-8FD7-52D4A3BB0305}" type="datetimeFigureOut">
               <a:rPr lang="en-US" smtClean="0"/>
-              <a:t>7/4/24</a:t>
+              <a:t>11/3/25</a:t>
             </a:fld>
             <a:endParaRPr lang="en-US"/>
           </a:p>
@@ -1608,7 +1608,7 @@
           <a:p>
             <a:fld id="{03FB8AE5-4979-984F-8FD7-52D4A3BB0305}" type="datetimeFigureOut">
               <a:rPr lang="en-US" smtClean="0"/>
-              <a:t>7/4/24</a:t>
+              <a:t>11/3/25</a:t>
             </a:fld>
             <a:endParaRPr lang="en-US"/>
           </a:p>
@@ -1726,7 +1726,7 @@
           <a:p>
             <a:fld id="{03FB8AE5-4979-984F-8FD7-52D4A3BB0305}" type="datetimeFigureOut">
               <a:rPr lang="en-US" smtClean="0"/>
-              <a:t>7/4/24</a:t>
+              <a:t>11/3/25</a:t>
             </a:fld>
             <a:endParaRPr lang="en-US"/>
           </a:p>
@@ -1821,7 +1821,7 @@
           <a:p>
             <a:fld id="{03FB8AE5-4979-984F-8FD7-52D4A3BB0305}" type="datetimeFigureOut">
               <a:rPr lang="en-US" smtClean="0"/>
-              <a:t>7/4/24</a:t>
+              <a:t>11/3/25</a:t>
             </a:fld>
             <a:endParaRPr lang="en-US"/>
           </a:p>
@@ -2098,7 +2098,7 @@
           <a:p>
             <a:fld id="{03FB8AE5-4979-984F-8FD7-52D4A3BB0305}" type="datetimeFigureOut">
               <a:rPr lang="en-US" smtClean="0"/>
-              <a:t>7/4/24</a:t>
+              <a:t>11/3/25</a:t>
             </a:fld>
             <a:endParaRPr lang="en-US"/>
           </a:p>
@@ -2355,7 +2355,7 @@
           <a:p>
             <a:fld id="{03FB8AE5-4979-984F-8FD7-52D4A3BB0305}" type="datetimeFigureOut">
               <a:rPr lang="en-US" smtClean="0"/>
-              <a:t>7/4/24</a:t>
+              <a:t>11/3/25</a:t>
             </a:fld>
             <a:endParaRPr lang="en-US"/>
           </a:p>
@@ -2568,7 +2568,7 @@
           <a:p>
             <a:fld id="{03FB8AE5-4979-984F-8FD7-52D4A3BB0305}" type="datetimeFigureOut">
               <a:rPr lang="en-US" smtClean="0"/>
-              <a:t>7/4/24</a:t>
+              <a:t>11/3/25</a:t>
             </a:fld>
             <a:endParaRPr lang="en-US"/>
           </a:p>
@@ -2649,6 +2649,54 @@
               <a:t>‹#›</a:t>
             </a:fld>
             <a:endParaRPr lang="en-US"/>
+          </a:p>
+        </p:txBody>
+      </p:sp>
+      <p:sp>
+        <p:nvSpPr>
+          <p:cNvPr id="8" name="TextBox 7">
+            <a:extLst>
+              <a:ext uri="{FF2B5EF4-FFF2-40B4-BE49-F238E27FC236}">
+                <a16:creationId xmlns:a16="http://schemas.microsoft.com/office/drawing/2014/main" id="{50055A92-C5DE-B08C-DFD0-B130E43191A6}"/>
+              </a:ext>
+            </a:extLst>
+          </p:cNvPr>
+          <p:cNvSpPr txBox="1"/>
+          <p:nvPr userDrawn="1">
+            <p:extLst>
+              <p:ext uri="{1162E1C5-73C7-4A58-AE30-91384D911F3F}">
+                <p184:classification xmlns:p184="http://schemas.microsoft.com/office/powerpoint/2018/4/main" val="hdr"/>
+              </p:ext>
+            </p:extLst>
+          </p:nvPr>
+        </p:nvSpPr>
+        <p:spPr>
+          <a:xfrm>
+            <a:off x="5479225" y="63500"/>
+            <a:ext cx="1258887" cy="152400"/>
+          </a:xfrm>
+          <a:prstGeom prst="rect">
+            <a:avLst/>
+          </a:prstGeom>
+        </p:spPr>
+        <p:txBody>
+          <a:bodyPr horzOverflow="overflow" lIns="0" tIns="0" rIns="0" bIns="0">
+            <a:spAutoFit/>
+          </a:bodyPr>
+          <a:lstStyle/>
+          <a:p>
+            <a:pPr algn="l"/>
+            <a:r>
+              <a:rPr lang="en-US" sz="1000">
+                <a:solidFill>
+                  <a:srgbClr val="000000">
+                    <a:alpha val="50000"/>
+                  </a:srgbClr>
+                </a:solidFill>
+                <a:latin typeface="Aptos" panose="020B0004020202020204" pitchFamily="34" charset="0"/>
+              </a:rPr>
+              <a:t>Internal In-Confidence</a:t>
+            </a:r>
           </a:p>
         </p:txBody>
       </p:sp>
